--- a/빅데이터 분석 과제.pptx
+++ b/빅데이터 분석 과제.pptx
@@ -8,10 +8,11 @@
     <p:sldId id="256" r:id="rId2"/>
     <p:sldId id="257" r:id="rId3"/>
     <p:sldId id="258" r:id="rId4"/>
-    <p:sldId id="259" r:id="rId5"/>
-    <p:sldId id="260" r:id="rId6"/>
-    <p:sldId id="261" r:id="rId7"/>
-    <p:sldId id="262" r:id="rId8"/>
+    <p:sldId id="263" r:id="rId5"/>
+    <p:sldId id="259" r:id="rId6"/>
+    <p:sldId id="260" r:id="rId7"/>
+    <p:sldId id="261" r:id="rId8"/>
+    <p:sldId id="262" r:id="rId9"/>
   </p:sldIdLst>
   <p:sldSz cx="12192000" cy="6858000"/>
   <p:notesSz cx="6858000" cy="9144000"/>
@@ -3470,7 +3471,7 @@
         </p:spPr>
         <p:txBody>
           <a:bodyPr>
-            <a:normAutofit fontScale="92500" lnSpcReduction="10000"/>
+            <a:normAutofit fontScale="92500" lnSpcReduction="20000"/>
           </a:bodyPr>
           <a:lstStyle/>
           <a:p>
@@ -3792,7 +3793,39 @@
             </a:r>
             <a:r>
               <a:rPr lang="ko-KR" altLang="en-US" sz="2400" dirty="0"/>
-              <a:t>학습</a:t>
+              <a:t>학습 </a:t>
+            </a:r>
+            <a:r>
+              <a:rPr lang="en-US" altLang="ko-KR" sz="2400" dirty="0"/>
+              <a:t>: </a:t>
+            </a:r>
+            <a:r>
+              <a:rPr lang="ko-KR" altLang="en-US" sz="2400" dirty="0"/>
+              <a:t>여러 모델을 학습시켜서 정확도</a:t>
+            </a:r>
+            <a:r>
+              <a:rPr lang="en-US" altLang="ko-KR" sz="2400" dirty="0"/>
+              <a:t>, F1 </a:t>
+            </a:r>
+            <a:r>
+              <a:rPr lang="ko-KR" altLang="en-US" sz="2400" dirty="0"/>
+              <a:t>등 다중 기준으로 평가해 </a:t>
+            </a:r>
+            <a:r>
+              <a:rPr lang="en-US" altLang="ko-KR" sz="2400" dirty="0"/>
+              <a:t>Pareto </a:t>
+            </a:r>
+            <a:r>
+              <a:rPr lang="ko-KR" altLang="en-US" sz="2400" dirty="0"/>
+              <a:t>최적</a:t>
+            </a:r>
+            <a:r>
+              <a:rPr lang="en-US" altLang="ko-KR" sz="2400" dirty="0"/>
+              <a:t>(front) </a:t>
+            </a:r>
+            <a:r>
+              <a:rPr lang="ko-KR" altLang="en-US" sz="2400" dirty="0"/>
+              <a:t>모델 선택하는 단계</a:t>
             </a:r>
             <a:endParaRPr lang="en-US" altLang="ko-KR" sz="2400" dirty="0"/>
           </a:p>
@@ -3926,7 +3959,7 @@
           <p:cNvPr id="2" name="제목 1">
             <a:extLst>
               <a:ext uri="{FF2B5EF4-FFF2-40B4-BE49-F238E27FC236}">
-                <a16:creationId xmlns:a16="http://schemas.microsoft.com/office/drawing/2014/main" id="{91FB26D8-6D51-62F5-95AF-C025CBC8FD34}"/>
+                <a16:creationId xmlns:a16="http://schemas.microsoft.com/office/drawing/2014/main" id="{96ECB5E0-BE88-66CB-4799-434020770FDC}"/>
               </a:ext>
             </a:extLst>
           </p:cNvPr>
@@ -3944,8 +3977,13 @@
           <a:p>
             <a:r>
               <a:rPr lang="ko-KR" altLang="en-US" dirty="0"/>
-              <a:t>구현</a:t>
-            </a:r>
+              <a:t>과제 </a:t>
+            </a:r>
+            <a:r>
+              <a:rPr lang="en-US" altLang="ko-KR" dirty="0"/>
+              <a:t>1 : Bronze Layer</a:t>
+            </a:r>
+            <a:endParaRPr lang="ko-KR" altLang="en-US" dirty="0"/>
           </a:p>
         </p:txBody>
       </p:sp>
@@ -3954,7 +3992,7 @@
           <p:cNvPr id="3" name="내용 개체 틀 2">
             <a:extLst>
               <a:ext uri="{FF2B5EF4-FFF2-40B4-BE49-F238E27FC236}">
-                <a16:creationId xmlns:a16="http://schemas.microsoft.com/office/drawing/2014/main" id="{B0C922AC-E46C-FA9B-3F6C-6F2FE142A01C}"/>
+                <a16:creationId xmlns:a16="http://schemas.microsoft.com/office/drawing/2014/main" id="{E8B2A4E8-1005-2869-ACD7-6FEB01DCF9EB}"/>
               </a:ext>
             </a:extLst>
           </p:cNvPr>
@@ -3970,14 +4008,124 @@
           <a:bodyPr/>
           <a:lstStyle/>
           <a:p>
-            <a:endParaRPr lang="ko-KR" altLang="en-US"/>
-          </a:p>
-        </p:txBody>
-      </p:sp>
+            <a:r>
+              <a:rPr lang="en-US" altLang="ko-KR" dirty="0"/>
+              <a:t>Reservoir Sampling</a:t>
+            </a:r>
+            <a:br>
+              <a:rPr lang="en-US" altLang="ko-KR" dirty="0"/>
+            </a:br>
+            <a:r>
+              <a:rPr lang="ko-KR" altLang="en-US" dirty="0"/>
+              <a:t>개선 사항 </a:t>
+            </a:r>
+            <a:r>
+              <a:rPr lang="en-US" altLang="ko-KR" dirty="0"/>
+              <a:t>: </a:t>
+            </a:r>
+            <a:r>
+              <a:rPr lang="ko-KR" altLang="en-US" dirty="0"/>
+              <a:t>현재는 파이썬 </a:t>
+            </a:r>
+            <a:r>
+              <a:rPr lang="en-US" altLang="ko-KR" dirty="0"/>
+              <a:t>map</a:t>
+            </a:r>
+            <a:r>
+              <a:rPr lang="ko-KR" altLang="en-US" dirty="0"/>
+              <a:t>으로 샘플링 하는데 </a:t>
+            </a:r>
+            <a:r>
+              <a:rPr lang="en-US" altLang="ko-KR" dirty="0"/>
+              <a:t>Spark </a:t>
+            </a:r>
+            <a:r>
+              <a:rPr lang="ko-KR" altLang="en-US" dirty="0"/>
+              <a:t>내장 </a:t>
+            </a:r>
+            <a:r>
+              <a:rPr lang="en-US" altLang="ko-KR" dirty="0"/>
+              <a:t>sample() </a:t>
+            </a:r>
+            <a:r>
+              <a:rPr lang="ko-KR" altLang="en-US" dirty="0"/>
+              <a:t>함수를 사용하면 동일 확률 샘플링 가능</a:t>
+            </a:r>
+            <a:endParaRPr lang="en-US" altLang="ko-KR" dirty="0"/>
+          </a:p>
+          <a:p>
+            <a:r>
+              <a:rPr lang="en-US" altLang="ko-KR" dirty="0"/>
+              <a:t>Bloom Filter</a:t>
+            </a:r>
+            <a:endParaRPr lang="ko-KR" altLang="en-US" dirty="0"/>
+          </a:p>
+        </p:txBody>
+      </p:sp>
+      <p:pic>
+        <p:nvPicPr>
+          <p:cNvPr id="5" name="그림 4">
+            <a:extLst>
+              <a:ext uri="{FF2B5EF4-FFF2-40B4-BE49-F238E27FC236}">
+                <a16:creationId xmlns:a16="http://schemas.microsoft.com/office/drawing/2014/main" id="{6C78C526-DE55-C885-BF00-CFBC4625A985}"/>
+              </a:ext>
+            </a:extLst>
+          </p:cNvPr>
+          <p:cNvPicPr>
+            <a:picLocks noChangeAspect="1"/>
+          </p:cNvPicPr>
+          <p:nvPr/>
+        </p:nvPicPr>
+        <p:blipFill>
+          <a:blip r:embed="rId2"/>
+          <a:stretch>
+            <a:fillRect/>
+          </a:stretch>
+        </p:blipFill>
+        <p:spPr>
+          <a:xfrm>
+            <a:off x="973833" y="4024125"/>
+            <a:ext cx="4602551" cy="1896227"/>
+          </a:xfrm>
+          <a:prstGeom prst="rect">
+            <a:avLst/>
+          </a:prstGeom>
+        </p:spPr>
+      </p:pic>
+      <p:pic>
+        <p:nvPicPr>
+          <p:cNvPr id="7" name="그림 6">
+            <a:extLst>
+              <a:ext uri="{FF2B5EF4-FFF2-40B4-BE49-F238E27FC236}">
+                <a16:creationId xmlns:a16="http://schemas.microsoft.com/office/drawing/2014/main" id="{EA68E2F0-36E4-3C7B-0512-B17FA8FCD26D}"/>
+              </a:ext>
+            </a:extLst>
+          </p:cNvPr>
+          <p:cNvPicPr>
+            <a:picLocks noChangeAspect="1"/>
+          </p:cNvPicPr>
+          <p:nvPr/>
+        </p:nvPicPr>
+        <p:blipFill>
+          <a:blip r:embed="rId3"/>
+          <a:stretch>
+            <a:fillRect/>
+          </a:stretch>
+        </p:blipFill>
+        <p:spPr>
+          <a:xfrm>
+            <a:off x="6096000" y="3913111"/>
+            <a:ext cx="4842580" cy="2118253"/>
+          </a:xfrm>
+          <a:prstGeom prst="rect">
+            <a:avLst/>
+          </a:prstGeom>
+        </p:spPr>
+      </p:pic>
     </p:spTree>
     <p:extLst>
       <p:ext uri="{BB962C8B-B14F-4D97-AF65-F5344CB8AC3E}">
-        <p14:creationId xmlns:p14="http://schemas.microsoft.com/office/powerpoint/2010/main" val="4005580673"/>
+        <p14:creationId xmlns:p14="http://schemas.microsoft.com/office/powerpoint/2010/main" val="2107385823"/>
       </p:ext>
     </p:extLst>
   </p:cSld>
@@ -4009,7 +4157,7 @@
           <p:cNvPr id="2" name="제목 1">
             <a:extLst>
               <a:ext uri="{FF2B5EF4-FFF2-40B4-BE49-F238E27FC236}">
-                <a16:creationId xmlns:a16="http://schemas.microsoft.com/office/drawing/2014/main" id="{9A6431F0-98D9-1671-724F-F775161BE287}"/>
+                <a16:creationId xmlns:a16="http://schemas.microsoft.com/office/drawing/2014/main" id="{91FB26D8-6D51-62F5-95AF-C025CBC8FD34}"/>
               </a:ext>
             </a:extLst>
           </p:cNvPr>
@@ -4027,7 +4175,7 @@
           <a:p>
             <a:r>
               <a:rPr lang="ko-KR" altLang="en-US" dirty="0"/>
-              <a:t>실험 및 결과</a:t>
+              <a:t>구현</a:t>
             </a:r>
           </a:p>
         </p:txBody>
@@ -4037,7 +4185,7 @@
           <p:cNvPr id="3" name="내용 개체 틀 2">
             <a:extLst>
               <a:ext uri="{FF2B5EF4-FFF2-40B4-BE49-F238E27FC236}">
-                <a16:creationId xmlns:a16="http://schemas.microsoft.com/office/drawing/2014/main" id="{BEEAF650-4CBD-8BCE-1A07-14B3E99AF0BA}"/>
+                <a16:creationId xmlns:a16="http://schemas.microsoft.com/office/drawing/2014/main" id="{B0C922AC-E46C-FA9B-3F6C-6F2FE142A01C}"/>
               </a:ext>
             </a:extLst>
           </p:cNvPr>
@@ -4060,7 +4208,7 @@
     </p:spTree>
     <p:extLst>
       <p:ext uri="{BB962C8B-B14F-4D97-AF65-F5344CB8AC3E}">
-        <p14:creationId xmlns:p14="http://schemas.microsoft.com/office/powerpoint/2010/main" val="2700403687"/>
+        <p14:creationId xmlns:p14="http://schemas.microsoft.com/office/powerpoint/2010/main" val="4005580673"/>
       </p:ext>
     </p:extLst>
   </p:cSld>
@@ -4092,6 +4240,89 @@
           <p:cNvPr id="2" name="제목 1">
             <a:extLst>
               <a:ext uri="{FF2B5EF4-FFF2-40B4-BE49-F238E27FC236}">
+                <a16:creationId xmlns:a16="http://schemas.microsoft.com/office/drawing/2014/main" id="{9A6431F0-98D9-1671-724F-F775161BE287}"/>
+              </a:ext>
+            </a:extLst>
+          </p:cNvPr>
+          <p:cNvSpPr>
+            <a:spLocks noGrp="1"/>
+          </p:cNvSpPr>
+          <p:nvPr>
+            <p:ph type="title"/>
+          </p:nvPr>
+        </p:nvSpPr>
+        <p:spPr/>
+        <p:txBody>
+          <a:bodyPr/>
+          <a:lstStyle/>
+          <a:p>
+            <a:r>
+              <a:rPr lang="ko-KR" altLang="en-US" dirty="0"/>
+              <a:t>실험 및 결과</a:t>
+            </a:r>
+          </a:p>
+        </p:txBody>
+      </p:sp>
+      <p:sp>
+        <p:nvSpPr>
+          <p:cNvPr id="3" name="내용 개체 틀 2">
+            <a:extLst>
+              <a:ext uri="{FF2B5EF4-FFF2-40B4-BE49-F238E27FC236}">
+                <a16:creationId xmlns:a16="http://schemas.microsoft.com/office/drawing/2014/main" id="{BEEAF650-4CBD-8BCE-1A07-14B3E99AF0BA}"/>
+              </a:ext>
+            </a:extLst>
+          </p:cNvPr>
+          <p:cNvSpPr>
+            <a:spLocks noGrp="1"/>
+          </p:cNvSpPr>
+          <p:nvPr>
+            <p:ph idx="1"/>
+          </p:nvPr>
+        </p:nvSpPr>
+        <p:spPr/>
+        <p:txBody>
+          <a:bodyPr/>
+          <a:lstStyle/>
+          <a:p>
+            <a:endParaRPr lang="ko-KR" altLang="en-US"/>
+          </a:p>
+        </p:txBody>
+      </p:sp>
+    </p:spTree>
+    <p:extLst>
+      <p:ext uri="{BB962C8B-B14F-4D97-AF65-F5344CB8AC3E}">
+        <p14:creationId xmlns:p14="http://schemas.microsoft.com/office/powerpoint/2010/main" val="2700403687"/>
+      </p:ext>
+    </p:extLst>
+  </p:cSld>
+  <p:clrMapOvr>
+    <a:masterClrMapping/>
+  </p:clrMapOvr>
+</p:sld>
+</file>
+
+<file path=ppt/slides/slide7.xml><?xml version="1.0" encoding="utf-8"?>
+<p:sld xmlns:a="http://schemas.openxmlformats.org/drawingml/2006/main" xmlns:r="http://schemas.openxmlformats.org/officeDocument/2006/relationships" xmlns:p="http://schemas.openxmlformats.org/presentationml/2006/main">
+  <p:cSld>
+    <p:spTree>
+      <p:nvGrpSpPr>
+        <p:cNvPr id="1" name=""/>
+        <p:cNvGrpSpPr/>
+        <p:nvPr/>
+      </p:nvGrpSpPr>
+      <p:grpSpPr>
+        <a:xfrm>
+          <a:off x="0" y="0"/>
+          <a:ext cx="0" cy="0"/>
+          <a:chOff x="0" y="0"/>
+          <a:chExt cx="0" cy="0"/>
+        </a:xfrm>
+      </p:grpSpPr>
+      <p:sp>
+        <p:nvSpPr>
+          <p:cNvPr id="2" name="제목 1">
+            <a:extLst>
+              <a:ext uri="{FF2B5EF4-FFF2-40B4-BE49-F238E27FC236}">
                 <a16:creationId xmlns:a16="http://schemas.microsoft.com/office/drawing/2014/main" id="{AB48EF97-2352-08FD-FFD9-7EBC4728B6EE}"/>
               </a:ext>
             </a:extLst>
@@ -4153,7 +4384,7 @@
 </p:sld>
 </file>
 
-<file path=ppt/slides/slide7.xml><?xml version="1.0" encoding="utf-8"?>
+<file path=ppt/slides/slide8.xml><?xml version="1.0" encoding="utf-8"?>
 <p:sld xmlns:a="http://schemas.openxmlformats.org/drawingml/2006/main" xmlns:r="http://schemas.openxmlformats.org/officeDocument/2006/relationships" xmlns:p="http://schemas.openxmlformats.org/presentationml/2006/main">
   <p:cSld>
     <p:spTree>

--- a/빅데이터 분석 과제.pptx
+++ b/빅데이터 분석 과제.pptx
@@ -9,10 +9,11 @@
     <p:sldId id="257" r:id="rId3"/>
     <p:sldId id="258" r:id="rId4"/>
     <p:sldId id="263" r:id="rId5"/>
-    <p:sldId id="259" r:id="rId6"/>
-    <p:sldId id="260" r:id="rId7"/>
-    <p:sldId id="261" r:id="rId8"/>
-    <p:sldId id="262" r:id="rId9"/>
+    <p:sldId id="264" r:id="rId6"/>
+    <p:sldId id="259" r:id="rId7"/>
+    <p:sldId id="260" r:id="rId8"/>
+    <p:sldId id="261" r:id="rId9"/>
+    <p:sldId id="262" r:id="rId10"/>
   </p:sldIdLst>
   <p:sldSz cx="12192000" cy="6858000"/>
   <p:notesSz cx="6858000" cy="9144000"/>
@@ -111,6 +112,11 @@
       </a:defRPr>
     </a:lvl9pPr>
   </p:defaultTextStyle>
+  <p:extLst>
+    <p:ext uri="{EFAFB233-063F-42B5-8137-9DF3F51BA10A}">
+      <p15:sldGuideLst xmlns:p15="http://schemas.microsoft.com/office/powerpoint/2012/main"/>
+    </p:ext>
+  </p:extLst>
 </p:presentation>
 </file>
 
@@ -261,7 +267,7 @@
           <a:p>
             <a:fld id="{29D1B912-6DD3-46FD-9470-8FDDCEDBC7DE}" type="datetimeFigureOut">
               <a:rPr lang="ko-KR" altLang="en-US" smtClean="0"/>
-              <a:t>2025-11-06</a:t>
+              <a:t>2025-11-07</a:t>
             </a:fld>
             <a:endParaRPr lang="ko-KR" altLang="en-US"/>
           </a:p>
@@ -459,7 +465,7 @@
           <a:p>
             <a:fld id="{29D1B912-6DD3-46FD-9470-8FDDCEDBC7DE}" type="datetimeFigureOut">
               <a:rPr lang="ko-KR" altLang="en-US" smtClean="0"/>
-              <a:t>2025-11-06</a:t>
+              <a:t>2025-11-07</a:t>
             </a:fld>
             <a:endParaRPr lang="ko-KR" altLang="en-US"/>
           </a:p>
@@ -667,7 +673,7 @@
           <a:p>
             <a:fld id="{29D1B912-6DD3-46FD-9470-8FDDCEDBC7DE}" type="datetimeFigureOut">
               <a:rPr lang="ko-KR" altLang="en-US" smtClean="0"/>
-              <a:t>2025-11-06</a:t>
+              <a:t>2025-11-07</a:t>
             </a:fld>
             <a:endParaRPr lang="ko-KR" altLang="en-US"/>
           </a:p>
@@ -865,7 +871,7 @@
           <a:p>
             <a:fld id="{29D1B912-6DD3-46FD-9470-8FDDCEDBC7DE}" type="datetimeFigureOut">
               <a:rPr lang="ko-KR" altLang="en-US" smtClean="0"/>
-              <a:t>2025-11-06</a:t>
+              <a:t>2025-11-07</a:t>
             </a:fld>
             <a:endParaRPr lang="ko-KR" altLang="en-US"/>
           </a:p>
@@ -1140,7 +1146,7 @@
           <a:p>
             <a:fld id="{29D1B912-6DD3-46FD-9470-8FDDCEDBC7DE}" type="datetimeFigureOut">
               <a:rPr lang="ko-KR" altLang="en-US" smtClean="0"/>
-              <a:t>2025-11-06</a:t>
+              <a:t>2025-11-07</a:t>
             </a:fld>
             <a:endParaRPr lang="ko-KR" altLang="en-US"/>
           </a:p>
@@ -1405,7 +1411,7 @@
           <a:p>
             <a:fld id="{29D1B912-6DD3-46FD-9470-8FDDCEDBC7DE}" type="datetimeFigureOut">
               <a:rPr lang="ko-KR" altLang="en-US" smtClean="0"/>
-              <a:t>2025-11-06</a:t>
+              <a:t>2025-11-07</a:t>
             </a:fld>
             <a:endParaRPr lang="ko-KR" altLang="en-US"/>
           </a:p>
@@ -1817,7 +1823,7 @@
           <a:p>
             <a:fld id="{29D1B912-6DD3-46FD-9470-8FDDCEDBC7DE}" type="datetimeFigureOut">
               <a:rPr lang="ko-KR" altLang="en-US" smtClean="0"/>
-              <a:t>2025-11-06</a:t>
+              <a:t>2025-11-07</a:t>
             </a:fld>
             <a:endParaRPr lang="ko-KR" altLang="en-US"/>
           </a:p>
@@ -1958,7 +1964,7 @@
           <a:p>
             <a:fld id="{29D1B912-6DD3-46FD-9470-8FDDCEDBC7DE}" type="datetimeFigureOut">
               <a:rPr lang="ko-KR" altLang="en-US" smtClean="0"/>
-              <a:t>2025-11-06</a:t>
+              <a:t>2025-11-07</a:t>
             </a:fld>
             <a:endParaRPr lang="ko-KR" altLang="en-US"/>
           </a:p>
@@ -2071,7 +2077,7 @@
           <a:p>
             <a:fld id="{29D1B912-6DD3-46FD-9470-8FDDCEDBC7DE}" type="datetimeFigureOut">
               <a:rPr lang="ko-KR" altLang="en-US" smtClean="0"/>
-              <a:t>2025-11-06</a:t>
+              <a:t>2025-11-07</a:t>
             </a:fld>
             <a:endParaRPr lang="ko-KR" altLang="en-US"/>
           </a:p>
@@ -2382,7 +2388,7 @@
           <a:p>
             <a:fld id="{29D1B912-6DD3-46FD-9470-8FDDCEDBC7DE}" type="datetimeFigureOut">
               <a:rPr lang="ko-KR" altLang="en-US" smtClean="0"/>
-              <a:t>2025-11-06</a:t>
+              <a:t>2025-11-07</a:t>
             </a:fld>
             <a:endParaRPr lang="ko-KR" altLang="en-US"/>
           </a:p>
@@ -2670,7 +2676,7 @@
           <a:p>
             <a:fld id="{29D1B912-6DD3-46FD-9470-8FDDCEDBC7DE}" type="datetimeFigureOut">
               <a:rPr lang="ko-KR" altLang="en-US" smtClean="0"/>
-              <a:t>2025-11-06</a:t>
+              <a:t>2025-11-07</a:t>
             </a:fld>
             <a:endParaRPr lang="ko-KR" altLang="en-US"/>
           </a:p>
@@ -2911,7 +2917,7 @@
           <a:p>
             <a:fld id="{29D1B912-6DD3-46FD-9470-8FDDCEDBC7DE}" type="datetimeFigureOut">
               <a:rPr lang="ko-KR" altLang="en-US" smtClean="0"/>
-              <a:t>2025-11-06</a:t>
+              <a:t>2025-11-07</a:t>
             </a:fld>
             <a:endParaRPr lang="ko-KR" altLang="en-US"/>
           </a:p>
@@ -4051,6 +4057,29 @@
               <a:rPr lang="ko-KR" altLang="en-US" dirty="0"/>
               <a:t>함수를 사용하면 동일 확률 샘플링 가능</a:t>
             </a:r>
+            <a:br>
+              <a:rPr lang="en-US" altLang="ko-KR" dirty="0"/>
+            </a:br>
+            <a:r>
+              <a:rPr lang="en-US" altLang="ko-KR" dirty="0"/>
+              <a:t>(docker system </a:t>
+            </a:r>
+            <a:r>
+              <a:rPr lang="ko-KR" altLang="en-US" dirty="0"/>
+              <a:t>활용으로 인한 </a:t>
+            </a:r>
+            <a:r>
+              <a:rPr lang="en-US" altLang="ko-KR"/>
+              <a:t>random </a:t>
+            </a:r>
+            <a:r>
+              <a:rPr lang="ko-KR" altLang="en-US"/>
+              <a:t>패키지 사용</a:t>
+            </a:r>
+            <a:r>
+              <a:rPr lang="en-US" altLang="ko-KR"/>
+              <a:t>)</a:t>
+            </a:r>
             <a:endParaRPr lang="en-US" altLang="ko-KR" dirty="0"/>
           </a:p>
           <a:p>
@@ -4140,7 +4169,13 @@
   <p:cSld>
     <p:spTree>
       <p:nvGrpSpPr>
-        <p:cNvPr id="1" name=""/>
+        <p:cNvPr id="1" name="">
+          <a:extLst>
+            <a:ext uri="{FF2B5EF4-FFF2-40B4-BE49-F238E27FC236}">
+              <a16:creationId xmlns:a16="http://schemas.microsoft.com/office/drawing/2014/main" id="{290E6EC9-2862-BD51-3FB6-4B11D095CD6C}"/>
+            </a:ext>
+          </a:extLst>
+        </p:cNvPr>
         <p:cNvGrpSpPr/>
         <p:nvPr/>
       </p:nvGrpSpPr>
@@ -4157,7 +4192,7 @@
           <p:cNvPr id="2" name="제목 1">
             <a:extLst>
               <a:ext uri="{FF2B5EF4-FFF2-40B4-BE49-F238E27FC236}">
-                <a16:creationId xmlns:a16="http://schemas.microsoft.com/office/drawing/2014/main" id="{91FB26D8-6D51-62F5-95AF-C025CBC8FD34}"/>
+                <a16:creationId xmlns:a16="http://schemas.microsoft.com/office/drawing/2014/main" id="{53FD98FD-6643-E811-A7A0-D5E9061D6EA8}"/>
               </a:ext>
             </a:extLst>
           </p:cNvPr>
@@ -4175,8 +4210,13 @@
           <a:p>
             <a:r>
               <a:rPr lang="ko-KR" altLang="en-US" dirty="0"/>
-              <a:t>구현</a:t>
-            </a:r>
+              <a:t>과제 </a:t>
+            </a:r>
+            <a:r>
+              <a:rPr lang="en-US" altLang="ko-KR" dirty="0"/>
+              <a:t>2 : Silver Layer</a:t>
+            </a:r>
+            <a:endParaRPr lang="ko-KR" altLang="en-US" dirty="0"/>
           </a:p>
         </p:txBody>
       </p:sp>
@@ -4185,7 +4225,7 @@
           <p:cNvPr id="3" name="내용 개체 틀 2">
             <a:extLst>
               <a:ext uri="{FF2B5EF4-FFF2-40B4-BE49-F238E27FC236}">
-                <a16:creationId xmlns:a16="http://schemas.microsoft.com/office/drawing/2014/main" id="{B0C922AC-E46C-FA9B-3F6C-6F2FE142A01C}"/>
+                <a16:creationId xmlns:a16="http://schemas.microsoft.com/office/drawing/2014/main" id="{34BBDDF4-554D-B9E5-BCCA-F1732E4ACE2B}"/>
               </a:ext>
             </a:extLst>
           </p:cNvPr>
@@ -4201,14 +4241,99 @@
           <a:bodyPr/>
           <a:lstStyle/>
           <a:p>
-            <a:endParaRPr lang="ko-KR" altLang="en-US"/>
+            <a:r>
+              <a:rPr lang="en-US" altLang="ko-KR" dirty="0"/>
+              <a:t>Watermark : Spark</a:t>
+            </a:r>
+            <a:r>
+              <a:rPr lang="ko-KR" altLang="en-US" dirty="0"/>
+              <a:t>가 </a:t>
+            </a:r>
+            <a:r>
+              <a:rPr lang="en-US" altLang="ko-KR" dirty="0"/>
+              <a:t>“</a:t>
+            </a:r>
+            <a:r>
+              <a:rPr lang="ko-KR" altLang="en-US" dirty="0"/>
+              <a:t>얼마나 오래 기다릴지</a:t>
+            </a:r>
+            <a:r>
+              <a:rPr lang="en-US" altLang="ko-KR" dirty="0"/>
+              <a:t>”</a:t>
+            </a:r>
+            <a:r>
+              <a:rPr lang="ko-KR" altLang="en-US" dirty="0"/>
+              <a:t>를 알려주는 지연 허용 정책이다</a:t>
+            </a:r>
+            <a:r>
+              <a:rPr lang="en-US" altLang="ko-KR" dirty="0"/>
+              <a:t>. </a:t>
+            </a:r>
+            <a:r>
+              <a:rPr lang="ko-KR" altLang="en-US" dirty="0"/>
+              <a:t>즉</a:t>
+            </a:r>
+            <a:r>
+              <a:rPr lang="en-US" altLang="ko-KR" dirty="0"/>
+              <a:t>, </a:t>
+            </a:r>
+            <a:r>
+              <a:rPr lang="ko-KR" altLang="en-US" dirty="0"/>
+              <a:t>지연된 데이터를 얼마나 받아들일지를 결정함</a:t>
+            </a:r>
+            <a:endParaRPr lang="en-US" altLang="ko-KR" dirty="0"/>
+          </a:p>
+          <a:p>
+            <a:r>
+              <a:rPr lang="en-US" altLang="ko-KR" dirty="0"/>
+              <a:t>Sliding Window</a:t>
+            </a:r>
+            <a:br>
+              <a:rPr lang="en-US" altLang="ko-KR" dirty="0"/>
+            </a:br>
+            <a:r>
+              <a:rPr lang="en-US" altLang="ko-KR" dirty="0"/>
+              <a:t>- Win : 1 hour / Slide : 5 minutes -&gt; 1</a:t>
+            </a:r>
+            <a:r>
+              <a:rPr lang="ko-KR" altLang="en-US" dirty="0" err="1"/>
+              <a:t>시간짜리를</a:t>
+            </a:r>
+            <a:r>
+              <a:rPr lang="ko-KR" altLang="en-US" dirty="0"/>
+              <a:t> </a:t>
+            </a:r>
+            <a:r>
+              <a:rPr lang="en-US" altLang="ko-KR" dirty="0"/>
+              <a:t>5</a:t>
+            </a:r>
+            <a:r>
+              <a:rPr lang="ko-KR" altLang="en-US" dirty="0"/>
+              <a:t>분 단위로 슬라이딩해서 집계한다</a:t>
+            </a:r>
+            <a:r>
+              <a:rPr lang="en-US" altLang="ko-KR" dirty="0"/>
+              <a:t>!</a:t>
+            </a:r>
+            <a:br>
+              <a:rPr lang="en-US" altLang="ko-KR" dirty="0"/>
+            </a:br>
+            <a:r>
+              <a:rPr lang="en-US" altLang="ko-KR" dirty="0"/>
+              <a:t>- overlap </a:t>
+            </a:r>
+            <a:r>
+              <a:rPr lang="ko-KR" altLang="en-US"/>
+              <a:t>구조임</a:t>
+            </a:r>
+            <a:endParaRPr lang="ko-KR" altLang="en-US" dirty="0"/>
           </a:p>
         </p:txBody>
       </p:sp>
     </p:spTree>
     <p:extLst>
       <p:ext uri="{BB962C8B-B14F-4D97-AF65-F5344CB8AC3E}">
-        <p14:creationId xmlns:p14="http://schemas.microsoft.com/office/powerpoint/2010/main" val="4005580673"/>
+        <p14:creationId xmlns:p14="http://schemas.microsoft.com/office/powerpoint/2010/main" val="1805487131"/>
       </p:ext>
     </p:extLst>
   </p:cSld>
@@ -4240,7 +4365,7 @@
           <p:cNvPr id="2" name="제목 1">
             <a:extLst>
               <a:ext uri="{FF2B5EF4-FFF2-40B4-BE49-F238E27FC236}">
-                <a16:creationId xmlns:a16="http://schemas.microsoft.com/office/drawing/2014/main" id="{9A6431F0-98D9-1671-724F-F775161BE287}"/>
+                <a16:creationId xmlns:a16="http://schemas.microsoft.com/office/drawing/2014/main" id="{91FB26D8-6D51-62F5-95AF-C025CBC8FD34}"/>
               </a:ext>
             </a:extLst>
           </p:cNvPr>
@@ -4258,7 +4383,7 @@
           <a:p>
             <a:r>
               <a:rPr lang="ko-KR" altLang="en-US" dirty="0"/>
-              <a:t>실험 및 결과</a:t>
+              <a:t>구현</a:t>
             </a:r>
           </a:p>
         </p:txBody>
@@ -4268,7 +4393,7 @@
           <p:cNvPr id="3" name="내용 개체 틀 2">
             <a:extLst>
               <a:ext uri="{FF2B5EF4-FFF2-40B4-BE49-F238E27FC236}">
-                <a16:creationId xmlns:a16="http://schemas.microsoft.com/office/drawing/2014/main" id="{BEEAF650-4CBD-8BCE-1A07-14B3E99AF0BA}"/>
+                <a16:creationId xmlns:a16="http://schemas.microsoft.com/office/drawing/2014/main" id="{B0C922AC-E46C-FA9B-3F6C-6F2FE142A01C}"/>
               </a:ext>
             </a:extLst>
           </p:cNvPr>
@@ -4291,7 +4416,7 @@
     </p:spTree>
     <p:extLst>
       <p:ext uri="{BB962C8B-B14F-4D97-AF65-F5344CB8AC3E}">
-        <p14:creationId xmlns:p14="http://schemas.microsoft.com/office/powerpoint/2010/main" val="2700403687"/>
+        <p14:creationId xmlns:p14="http://schemas.microsoft.com/office/powerpoint/2010/main" val="4005580673"/>
       </p:ext>
     </p:extLst>
   </p:cSld>
@@ -4323,6 +4448,89 @@
           <p:cNvPr id="2" name="제목 1">
             <a:extLst>
               <a:ext uri="{FF2B5EF4-FFF2-40B4-BE49-F238E27FC236}">
+                <a16:creationId xmlns:a16="http://schemas.microsoft.com/office/drawing/2014/main" id="{9A6431F0-98D9-1671-724F-F775161BE287}"/>
+              </a:ext>
+            </a:extLst>
+          </p:cNvPr>
+          <p:cNvSpPr>
+            <a:spLocks noGrp="1"/>
+          </p:cNvSpPr>
+          <p:nvPr>
+            <p:ph type="title"/>
+          </p:nvPr>
+        </p:nvSpPr>
+        <p:spPr/>
+        <p:txBody>
+          <a:bodyPr/>
+          <a:lstStyle/>
+          <a:p>
+            <a:r>
+              <a:rPr lang="ko-KR" altLang="en-US" dirty="0"/>
+              <a:t>실험 및 결과</a:t>
+            </a:r>
+          </a:p>
+        </p:txBody>
+      </p:sp>
+      <p:sp>
+        <p:nvSpPr>
+          <p:cNvPr id="3" name="내용 개체 틀 2">
+            <a:extLst>
+              <a:ext uri="{FF2B5EF4-FFF2-40B4-BE49-F238E27FC236}">
+                <a16:creationId xmlns:a16="http://schemas.microsoft.com/office/drawing/2014/main" id="{BEEAF650-4CBD-8BCE-1A07-14B3E99AF0BA}"/>
+              </a:ext>
+            </a:extLst>
+          </p:cNvPr>
+          <p:cNvSpPr>
+            <a:spLocks noGrp="1"/>
+          </p:cNvSpPr>
+          <p:nvPr>
+            <p:ph idx="1"/>
+          </p:nvPr>
+        </p:nvSpPr>
+        <p:spPr/>
+        <p:txBody>
+          <a:bodyPr/>
+          <a:lstStyle/>
+          <a:p>
+            <a:endParaRPr lang="ko-KR" altLang="en-US"/>
+          </a:p>
+        </p:txBody>
+      </p:sp>
+    </p:spTree>
+    <p:extLst>
+      <p:ext uri="{BB962C8B-B14F-4D97-AF65-F5344CB8AC3E}">
+        <p14:creationId xmlns:p14="http://schemas.microsoft.com/office/powerpoint/2010/main" val="2700403687"/>
+      </p:ext>
+    </p:extLst>
+  </p:cSld>
+  <p:clrMapOvr>
+    <a:masterClrMapping/>
+  </p:clrMapOvr>
+</p:sld>
+</file>
+
+<file path=ppt/slides/slide8.xml><?xml version="1.0" encoding="utf-8"?>
+<p:sld xmlns:a="http://schemas.openxmlformats.org/drawingml/2006/main" xmlns:r="http://schemas.openxmlformats.org/officeDocument/2006/relationships" xmlns:p="http://schemas.openxmlformats.org/presentationml/2006/main">
+  <p:cSld>
+    <p:spTree>
+      <p:nvGrpSpPr>
+        <p:cNvPr id="1" name=""/>
+        <p:cNvGrpSpPr/>
+        <p:nvPr/>
+      </p:nvGrpSpPr>
+      <p:grpSpPr>
+        <a:xfrm>
+          <a:off x="0" y="0"/>
+          <a:ext cx="0" cy="0"/>
+          <a:chOff x="0" y="0"/>
+          <a:chExt cx="0" cy="0"/>
+        </a:xfrm>
+      </p:grpSpPr>
+      <p:sp>
+        <p:nvSpPr>
+          <p:cNvPr id="2" name="제목 1">
+            <a:extLst>
+              <a:ext uri="{FF2B5EF4-FFF2-40B4-BE49-F238E27FC236}">
                 <a16:creationId xmlns:a16="http://schemas.microsoft.com/office/drawing/2014/main" id="{AB48EF97-2352-08FD-FFD9-7EBC4728B6EE}"/>
               </a:ext>
             </a:extLst>
@@ -4384,7 +4592,7 @@
 </p:sld>
 </file>
 
-<file path=ppt/slides/slide8.xml><?xml version="1.0" encoding="utf-8"?>
+<file path=ppt/slides/slide9.xml><?xml version="1.0" encoding="utf-8"?>
 <p:sld xmlns:a="http://schemas.openxmlformats.org/drawingml/2006/main" xmlns:r="http://schemas.openxmlformats.org/officeDocument/2006/relationships" xmlns:p="http://schemas.openxmlformats.org/presentationml/2006/main">
   <p:cSld>
     <p:spTree>

--- a/빅데이터 분석 과제.pptx
+++ b/빅데이터 분석 과제.pptx
@@ -10,10 +10,11 @@
     <p:sldId id="258" r:id="rId4"/>
     <p:sldId id="263" r:id="rId5"/>
     <p:sldId id="264" r:id="rId6"/>
-    <p:sldId id="259" r:id="rId7"/>
-    <p:sldId id="260" r:id="rId8"/>
-    <p:sldId id="261" r:id="rId9"/>
-    <p:sldId id="262" r:id="rId10"/>
+    <p:sldId id="265" r:id="rId7"/>
+    <p:sldId id="259" r:id="rId8"/>
+    <p:sldId id="260" r:id="rId9"/>
+    <p:sldId id="261" r:id="rId10"/>
+    <p:sldId id="262" r:id="rId11"/>
   </p:sldIdLst>
   <p:sldSz cx="12192000" cy="6858000"/>
   <p:notesSz cx="6858000" cy="9144000"/>
@@ -3408,6 +3409,89 @@
 </p:sld>
 </file>
 
+<file path=ppt/slides/slide10.xml><?xml version="1.0" encoding="utf-8"?>
+<p:sld xmlns:a="http://schemas.openxmlformats.org/drawingml/2006/main" xmlns:r="http://schemas.openxmlformats.org/officeDocument/2006/relationships" xmlns:p="http://schemas.openxmlformats.org/presentationml/2006/main">
+  <p:cSld>
+    <p:spTree>
+      <p:nvGrpSpPr>
+        <p:cNvPr id="1" name=""/>
+        <p:cNvGrpSpPr/>
+        <p:nvPr/>
+      </p:nvGrpSpPr>
+      <p:grpSpPr>
+        <a:xfrm>
+          <a:off x="0" y="0"/>
+          <a:ext cx="0" cy="0"/>
+          <a:chOff x="0" y="0"/>
+          <a:chExt cx="0" cy="0"/>
+        </a:xfrm>
+      </p:grpSpPr>
+      <p:sp>
+        <p:nvSpPr>
+          <p:cNvPr id="2" name="제목 1">
+            <a:extLst>
+              <a:ext uri="{FF2B5EF4-FFF2-40B4-BE49-F238E27FC236}">
+                <a16:creationId xmlns:a16="http://schemas.microsoft.com/office/drawing/2014/main" id="{A8D31240-3758-9A95-84DA-DF516F8213F8}"/>
+              </a:ext>
+            </a:extLst>
+          </p:cNvPr>
+          <p:cNvSpPr>
+            <a:spLocks noGrp="1"/>
+          </p:cNvSpPr>
+          <p:nvPr>
+            <p:ph type="title"/>
+          </p:nvPr>
+        </p:nvSpPr>
+        <p:spPr/>
+        <p:txBody>
+          <a:bodyPr/>
+          <a:lstStyle/>
+          <a:p>
+            <a:r>
+              <a:rPr lang="ko-KR" altLang="en-US" dirty="0"/>
+              <a:t>참고문헌</a:t>
+            </a:r>
+          </a:p>
+        </p:txBody>
+      </p:sp>
+      <p:sp>
+        <p:nvSpPr>
+          <p:cNvPr id="3" name="내용 개체 틀 2">
+            <a:extLst>
+              <a:ext uri="{FF2B5EF4-FFF2-40B4-BE49-F238E27FC236}">
+                <a16:creationId xmlns:a16="http://schemas.microsoft.com/office/drawing/2014/main" id="{074C87D9-67E4-C1B7-9B2C-CEBAA249A4C1}"/>
+              </a:ext>
+            </a:extLst>
+          </p:cNvPr>
+          <p:cNvSpPr>
+            <a:spLocks noGrp="1"/>
+          </p:cNvSpPr>
+          <p:nvPr>
+            <p:ph idx="1"/>
+          </p:nvPr>
+        </p:nvSpPr>
+        <p:spPr/>
+        <p:txBody>
+          <a:bodyPr/>
+          <a:lstStyle/>
+          <a:p>
+            <a:endParaRPr lang="ko-KR" altLang="en-US"/>
+          </a:p>
+        </p:txBody>
+      </p:sp>
+    </p:spTree>
+    <p:extLst>
+      <p:ext uri="{BB962C8B-B14F-4D97-AF65-F5344CB8AC3E}">
+        <p14:creationId xmlns:p14="http://schemas.microsoft.com/office/powerpoint/2010/main" val="1025256176"/>
+      </p:ext>
+    </p:extLst>
+  </p:cSld>
+  <p:clrMapOvr>
+    <a:masterClrMapping/>
+  </p:clrMapOvr>
+</p:sld>
+</file>
+
 <file path=ppt/slides/slide2.xml><?xml version="1.0" encoding="utf-8"?>
 <p:sld xmlns:a="http://schemas.openxmlformats.org/drawingml/2006/main" xmlns:r="http://schemas.openxmlformats.org/officeDocument/2006/relationships" xmlns:p="http://schemas.openxmlformats.org/presentationml/2006/main">
   <p:cSld>
@@ -4323,13 +4407,42 @@
               <a:t>- overlap </a:t>
             </a:r>
             <a:r>
-              <a:rPr lang="ko-KR" altLang="en-US"/>
+              <a:rPr lang="ko-KR" altLang="en-US" dirty="0"/>
               <a:t>구조임</a:t>
             </a:r>
-            <a:endParaRPr lang="ko-KR" altLang="en-US" dirty="0"/>
-          </a:p>
-        </p:txBody>
-      </p:sp>
+          </a:p>
+        </p:txBody>
+      </p:sp>
+      <p:pic>
+        <p:nvPicPr>
+          <p:cNvPr id="6" name="그림 5">
+            <a:extLst>
+              <a:ext uri="{FF2B5EF4-FFF2-40B4-BE49-F238E27FC236}">
+                <a16:creationId xmlns:a16="http://schemas.microsoft.com/office/drawing/2014/main" id="{3ED4381B-55F6-915A-4D52-CF238447DC58}"/>
+              </a:ext>
+            </a:extLst>
+          </p:cNvPr>
+          <p:cNvPicPr>
+            <a:picLocks noChangeAspect="1"/>
+          </p:cNvPicPr>
+          <p:nvPr/>
+        </p:nvPicPr>
+        <p:blipFill>
+          <a:blip r:embed="rId2"/>
+          <a:stretch>
+            <a:fillRect/>
+          </a:stretch>
+        </p:blipFill>
+        <p:spPr>
+          <a:xfrm>
+            <a:off x="6210300" y="4001294"/>
+            <a:ext cx="5215494" cy="2585938"/>
+          </a:xfrm>
+          <a:prstGeom prst="rect">
+            <a:avLst/>
+          </a:prstGeom>
+        </p:spPr>
+      </p:pic>
     </p:spTree>
     <p:extLst>
       <p:ext uri="{BB962C8B-B14F-4D97-AF65-F5344CB8AC3E}">
@@ -4348,7 +4461,13 @@
   <p:cSld>
     <p:spTree>
       <p:nvGrpSpPr>
-        <p:cNvPr id="1" name=""/>
+        <p:cNvPr id="1" name="">
+          <a:extLst>
+            <a:ext uri="{FF2B5EF4-FFF2-40B4-BE49-F238E27FC236}">
+              <a16:creationId xmlns:a16="http://schemas.microsoft.com/office/drawing/2014/main" id="{82711D68-78D0-FE2F-C946-13E6055CE02A}"/>
+            </a:ext>
+          </a:extLst>
+        </p:cNvPr>
         <p:cNvGrpSpPr/>
         <p:nvPr/>
       </p:nvGrpSpPr>
@@ -4365,7 +4484,7 @@
           <p:cNvPr id="2" name="제목 1">
             <a:extLst>
               <a:ext uri="{FF2B5EF4-FFF2-40B4-BE49-F238E27FC236}">
-                <a16:creationId xmlns:a16="http://schemas.microsoft.com/office/drawing/2014/main" id="{91FB26D8-6D51-62F5-95AF-C025CBC8FD34}"/>
+                <a16:creationId xmlns:a16="http://schemas.microsoft.com/office/drawing/2014/main" id="{F8277C6F-C15B-1CD1-697B-54A2815A54D5}"/>
               </a:ext>
             </a:extLst>
           </p:cNvPr>
@@ -4383,8 +4502,13 @@
           <a:p>
             <a:r>
               <a:rPr lang="ko-KR" altLang="en-US" dirty="0"/>
-              <a:t>구현</a:t>
-            </a:r>
+              <a:t>과제 </a:t>
+            </a:r>
+            <a:r>
+              <a:rPr lang="en-US" altLang="ko-KR" dirty="0"/>
+              <a:t>3 : Gold Layer</a:t>
+            </a:r>
+            <a:endParaRPr lang="ko-KR" altLang="en-US" dirty="0"/>
           </a:p>
         </p:txBody>
       </p:sp>
@@ -4393,7 +4517,7 @@
           <p:cNvPr id="3" name="내용 개체 틀 2">
             <a:extLst>
               <a:ext uri="{FF2B5EF4-FFF2-40B4-BE49-F238E27FC236}">
-                <a16:creationId xmlns:a16="http://schemas.microsoft.com/office/drawing/2014/main" id="{B0C922AC-E46C-FA9B-3F6C-6F2FE142A01C}"/>
+                <a16:creationId xmlns:a16="http://schemas.microsoft.com/office/drawing/2014/main" id="{BD6660C1-BEED-3F44-9ED3-C9B015262C6B}"/>
               </a:ext>
             </a:extLst>
           </p:cNvPr>
@@ -4406,17 +4530,182 @@
         </p:nvSpPr>
         <p:spPr/>
         <p:txBody>
-          <a:bodyPr/>
-          <a:lstStyle/>
-          <a:p>
-            <a:endParaRPr lang="ko-KR" altLang="en-US"/>
-          </a:p>
-        </p:txBody>
-      </p:sp>
+          <a:bodyPr>
+            <a:normAutofit/>
+          </a:bodyPr>
+          <a:lstStyle/>
+          <a:p>
+            <a:r>
+              <a:rPr lang="ko-KR" altLang="en-US" dirty="0"/>
+              <a:t>전체 파이프라인</a:t>
+            </a:r>
+            <a:br>
+              <a:rPr lang="en-US" altLang="ko-KR" dirty="0"/>
+            </a:br>
+            <a:r>
+              <a:rPr lang="en-US" altLang="ko-KR" sz="1800" dirty="0"/>
+              <a:t>Silver layer</a:t>
+            </a:r>
+            <a:r>
+              <a:rPr lang="ko-KR" altLang="en-US" sz="1800" dirty="0"/>
+              <a:t>의 출력을 입력으로 받아서 참여도</a:t>
+            </a:r>
+            <a:r>
+              <a:rPr lang="en-US" altLang="ko-KR" sz="1800" dirty="0"/>
+              <a:t>(engagement_24h) </a:t>
+            </a:r>
+            <a:r>
+              <a:rPr lang="ko-KR" altLang="en-US" sz="1800" dirty="0"/>
+              <a:t>계산하여 피처를 생성하고</a:t>
+            </a:r>
+            <a:r>
+              <a:rPr lang="en-US" altLang="ko-KR" sz="1800" dirty="0"/>
+              <a:t>, FM </a:t>
+            </a:r>
+            <a:r>
+              <a:rPr lang="ko-KR" altLang="en-US" sz="1800" dirty="0"/>
+              <a:t>알고리즘을 이용해 고유 사용자 수 추정</a:t>
+            </a:r>
+            <a:r>
+              <a:rPr lang="en-US" altLang="ko-KR" sz="1800" dirty="0"/>
+              <a:t>(</a:t>
+            </a:r>
+            <a:r>
+              <a:rPr lang="en-US" altLang="ko-KR" sz="1800" dirty="0" err="1"/>
+              <a:t>hyperloglog</a:t>
+            </a:r>
+            <a:r>
+              <a:rPr lang="en-US" altLang="ko-KR" sz="1800" dirty="0"/>
+              <a:t>)</a:t>
+            </a:r>
+            <a:r>
+              <a:rPr lang="ko-KR" altLang="en-US" sz="1800" dirty="0"/>
+              <a:t>하고</a:t>
+            </a:r>
+            <a:r>
+              <a:rPr lang="en-US" altLang="ko-KR" sz="1800" dirty="0"/>
+              <a:t>, CDF/PDF </a:t>
+            </a:r>
+            <a:r>
+              <a:rPr lang="ko-KR" altLang="en-US" sz="1800" dirty="0"/>
+              <a:t>기반 임계치 계산하고</a:t>
+            </a:r>
+            <a:r>
+              <a:rPr lang="en-US" altLang="ko-KR" sz="1800" dirty="0"/>
+              <a:t>, </a:t>
+            </a:r>
+            <a:r>
+              <a:rPr lang="ko-KR" altLang="en-US" sz="1800" dirty="0"/>
+              <a:t>상위 </a:t>
+            </a:r>
+            <a:r>
+              <a:rPr lang="ko-KR" altLang="en-US" sz="1800" dirty="0" err="1"/>
+              <a:t>퍼센타일</a:t>
+            </a:r>
+            <a:r>
+              <a:rPr lang="ko-KR" altLang="en-US" sz="1800" dirty="0"/>
+              <a:t> 기준으로 </a:t>
+            </a:r>
+            <a:r>
+              <a:rPr lang="en-US" altLang="ko-KR" sz="1800" dirty="0"/>
+              <a:t>label </a:t>
+            </a:r>
+            <a:r>
+              <a:rPr lang="ko-KR" altLang="en-US" sz="1800" dirty="0"/>
+              <a:t>생성하고</a:t>
+            </a:r>
+            <a:r>
+              <a:rPr lang="en-US" altLang="ko-KR" sz="1800" dirty="0"/>
+              <a:t>, Delta lake format</a:t>
+            </a:r>
+            <a:r>
+              <a:rPr lang="ko-KR" altLang="en-US" sz="1800" dirty="0"/>
+              <a:t>으로 저장한다</a:t>
+            </a:r>
+            <a:r>
+              <a:rPr lang="en-US" altLang="ko-KR" sz="1800" dirty="0"/>
+              <a:t>. </a:t>
+            </a:r>
+            <a:r>
+              <a:rPr lang="ko-KR" altLang="en-US" sz="1800" dirty="0"/>
+              <a:t>즉</a:t>
+            </a:r>
+            <a:r>
+              <a:rPr lang="en-US" altLang="ko-KR" sz="1800" dirty="0"/>
+              <a:t>, </a:t>
+            </a:r>
+            <a:r>
+              <a:rPr lang="ko-KR" altLang="en-US" sz="1800" dirty="0"/>
+              <a:t>모델 학습용 </a:t>
+            </a:r>
+            <a:r>
+              <a:rPr lang="en-US" altLang="ko-KR" sz="1800" dirty="0"/>
+              <a:t>Gold Feature Table</a:t>
+            </a:r>
+            <a:r>
+              <a:rPr lang="ko-KR" altLang="en-US" sz="1800" dirty="0"/>
+              <a:t>을 만드는 단계이다</a:t>
+            </a:r>
+            <a:r>
+              <a:rPr lang="en-US" altLang="ko-KR" sz="1800" dirty="0"/>
+              <a:t>. </a:t>
+            </a:r>
+          </a:p>
+          <a:p>
+            <a:r>
+              <a:rPr lang="en-US" altLang="ko-KR" dirty="0" err="1"/>
+              <a:t>Flajolet</a:t>
+            </a:r>
+            <a:r>
+              <a:rPr lang="en-US" altLang="ko-KR" dirty="0"/>
+              <a:t>–Martin(</a:t>
+            </a:r>
+            <a:r>
+              <a:rPr lang="ko-KR" altLang="en-US" dirty="0"/>
+              <a:t>근사 유니크 카운트</a:t>
+            </a:r>
+            <a:r>
+              <a:rPr lang="en-US" altLang="ko-KR"/>
+              <a:t>)</a:t>
+            </a:r>
+            <a:endParaRPr lang="ko-KR" altLang="en-US" dirty="0"/>
+          </a:p>
+        </p:txBody>
+      </p:sp>
+      <p:pic>
+        <p:nvPicPr>
+          <p:cNvPr id="5" name="그림 4">
+            <a:extLst>
+              <a:ext uri="{FF2B5EF4-FFF2-40B4-BE49-F238E27FC236}">
+                <a16:creationId xmlns:a16="http://schemas.microsoft.com/office/drawing/2014/main" id="{23D5B307-14DF-9250-19E1-723AE45CB24F}"/>
+              </a:ext>
+            </a:extLst>
+          </p:cNvPr>
+          <p:cNvPicPr>
+            <a:picLocks noChangeAspect="1"/>
+          </p:cNvPicPr>
+          <p:nvPr/>
+        </p:nvPicPr>
+        <p:blipFill>
+          <a:blip r:embed="rId2"/>
+          <a:stretch>
+            <a:fillRect/>
+          </a:stretch>
+        </p:blipFill>
+        <p:spPr>
+          <a:xfrm>
+            <a:off x="5799755" y="5597330"/>
+            <a:ext cx="3724795" cy="371527"/>
+          </a:xfrm>
+          <a:prstGeom prst="rect">
+            <a:avLst/>
+          </a:prstGeom>
+        </p:spPr>
+      </p:pic>
     </p:spTree>
     <p:extLst>
       <p:ext uri="{BB962C8B-B14F-4D97-AF65-F5344CB8AC3E}">
-        <p14:creationId xmlns:p14="http://schemas.microsoft.com/office/powerpoint/2010/main" val="4005580673"/>
+        <p14:creationId xmlns:p14="http://schemas.microsoft.com/office/powerpoint/2010/main" val="2996055300"/>
       </p:ext>
     </p:extLst>
   </p:cSld>
@@ -4448,7 +4737,7 @@
           <p:cNvPr id="2" name="제목 1">
             <a:extLst>
               <a:ext uri="{FF2B5EF4-FFF2-40B4-BE49-F238E27FC236}">
-                <a16:creationId xmlns:a16="http://schemas.microsoft.com/office/drawing/2014/main" id="{9A6431F0-98D9-1671-724F-F775161BE287}"/>
+                <a16:creationId xmlns:a16="http://schemas.microsoft.com/office/drawing/2014/main" id="{91FB26D8-6D51-62F5-95AF-C025CBC8FD34}"/>
               </a:ext>
             </a:extLst>
           </p:cNvPr>
@@ -4466,7 +4755,7 @@
           <a:p>
             <a:r>
               <a:rPr lang="ko-KR" altLang="en-US" dirty="0"/>
-              <a:t>실험 및 결과</a:t>
+              <a:t>구현</a:t>
             </a:r>
           </a:p>
         </p:txBody>
@@ -4476,7 +4765,7 @@
           <p:cNvPr id="3" name="내용 개체 틀 2">
             <a:extLst>
               <a:ext uri="{FF2B5EF4-FFF2-40B4-BE49-F238E27FC236}">
-                <a16:creationId xmlns:a16="http://schemas.microsoft.com/office/drawing/2014/main" id="{BEEAF650-4CBD-8BCE-1A07-14B3E99AF0BA}"/>
+                <a16:creationId xmlns:a16="http://schemas.microsoft.com/office/drawing/2014/main" id="{B0C922AC-E46C-FA9B-3F6C-6F2FE142A01C}"/>
               </a:ext>
             </a:extLst>
           </p:cNvPr>
@@ -4499,7 +4788,7 @@
     </p:spTree>
     <p:extLst>
       <p:ext uri="{BB962C8B-B14F-4D97-AF65-F5344CB8AC3E}">
-        <p14:creationId xmlns:p14="http://schemas.microsoft.com/office/powerpoint/2010/main" val="2700403687"/>
+        <p14:creationId xmlns:p14="http://schemas.microsoft.com/office/powerpoint/2010/main" val="4005580673"/>
       </p:ext>
     </p:extLst>
   </p:cSld>
@@ -4531,7 +4820,7 @@
           <p:cNvPr id="2" name="제목 1">
             <a:extLst>
               <a:ext uri="{FF2B5EF4-FFF2-40B4-BE49-F238E27FC236}">
-                <a16:creationId xmlns:a16="http://schemas.microsoft.com/office/drawing/2014/main" id="{AB48EF97-2352-08FD-FFD9-7EBC4728B6EE}"/>
+                <a16:creationId xmlns:a16="http://schemas.microsoft.com/office/drawing/2014/main" id="{9A6431F0-98D9-1671-724F-F775161BE287}"/>
               </a:ext>
             </a:extLst>
           </p:cNvPr>
@@ -4549,7 +4838,7 @@
           <a:p>
             <a:r>
               <a:rPr lang="ko-KR" altLang="en-US" dirty="0"/>
-              <a:t>고찰 및 결론</a:t>
+              <a:t>실험 및 결과</a:t>
             </a:r>
           </a:p>
         </p:txBody>
@@ -4559,7 +4848,7 @@
           <p:cNvPr id="3" name="내용 개체 틀 2">
             <a:extLst>
               <a:ext uri="{FF2B5EF4-FFF2-40B4-BE49-F238E27FC236}">
-                <a16:creationId xmlns:a16="http://schemas.microsoft.com/office/drawing/2014/main" id="{92B038EA-83CD-7475-F90A-695ABD2EF4EE}"/>
+                <a16:creationId xmlns:a16="http://schemas.microsoft.com/office/drawing/2014/main" id="{BEEAF650-4CBD-8BCE-1A07-14B3E99AF0BA}"/>
               </a:ext>
             </a:extLst>
           </p:cNvPr>
@@ -4582,7 +4871,7 @@
     </p:spTree>
     <p:extLst>
       <p:ext uri="{BB962C8B-B14F-4D97-AF65-F5344CB8AC3E}">
-        <p14:creationId xmlns:p14="http://schemas.microsoft.com/office/powerpoint/2010/main" val="1155636221"/>
+        <p14:creationId xmlns:p14="http://schemas.microsoft.com/office/powerpoint/2010/main" val="2700403687"/>
       </p:ext>
     </p:extLst>
   </p:cSld>
@@ -4614,7 +4903,7 @@
           <p:cNvPr id="2" name="제목 1">
             <a:extLst>
               <a:ext uri="{FF2B5EF4-FFF2-40B4-BE49-F238E27FC236}">
-                <a16:creationId xmlns:a16="http://schemas.microsoft.com/office/drawing/2014/main" id="{A8D31240-3758-9A95-84DA-DF516F8213F8}"/>
+                <a16:creationId xmlns:a16="http://schemas.microsoft.com/office/drawing/2014/main" id="{AB48EF97-2352-08FD-FFD9-7EBC4728B6EE}"/>
               </a:ext>
             </a:extLst>
           </p:cNvPr>
@@ -4632,7 +4921,7 @@
           <a:p>
             <a:r>
               <a:rPr lang="ko-KR" altLang="en-US" dirty="0"/>
-              <a:t>참고문헌</a:t>
+              <a:t>고찰 및 결론</a:t>
             </a:r>
           </a:p>
         </p:txBody>
@@ -4642,7 +4931,7 @@
           <p:cNvPr id="3" name="내용 개체 틀 2">
             <a:extLst>
               <a:ext uri="{FF2B5EF4-FFF2-40B4-BE49-F238E27FC236}">
-                <a16:creationId xmlns:a16="http://schemas.microsoft.com/office/drawing/2014/main" id="{074C87D9-67E4-C1B7-9B2C-CEBAA249A4C1}"/>
+                <a16:creationId xmlns:a16="http://schemas.microsoft.com/office/drawing/2014/main" id="{92B038EA-83CD-7475-F90A-695ABD2EF4EE}"/>
               </a:ext>
             </a:extLst>
           </p:cNvPr>
@@ -4665,7 +4954,7 @@
     </p:spTree>
     <p:extLst>
       <p:ext uri="{BB962C8B-B14F-4D97-AF65-F5344CB8AC3E}">
-        <p14:creationId xmlns:p14="http://schemas.microsoft.com/office/powerpoint/2010/main" val="1025256176"/>
+        <p14:creationId xmlns:p14="http://schemas.microsoft.com/office/powerpoint/2010/main" val="1155636221"/>
       </p:ext>
     </p:extLst>
   </p:cSld>

--- a/빅데이터 분석 과제.pptx
+++ b/빅데이터 분석 과제.pptx
@@ -11,10 +11,11 @@
     <p:sldId id="263" r:id="rId5"/>
     <p:sldId id="264" r:id="rId6"/>
     <p:sldId id="265" r:id="rId7"/>
-    <p:sldId id="259" r:id="rId8"/>
-    <p:sldId id="260" r:id="rId9"/>
-    <p:sldId id="261" r:id="rId10"/>
-    <p:sldId id="262" r:id="rId11"/>
+    <p:sldId id="266" r:id="rId8"/>
+    <p:sldId id="259" r:id="rId9"/>
+    <p:sldId id="260" r:id="rId10"/>
+    <p:sldId id="261" r:id="rId11"/>
+    <p:sldId id="262" r:id="rId12"/>
   </p:sldIdLst>
   <p:sldSz cx="12192000" cy="6858000"/>
   <p:notesSz cx="6858000" cy="9144000"/>
@@ -3431,6 +3432,89 @@
           <p:cNvPr id="2" name="제목 1">
             <a:extLst>
               <a:ext uri="{FF2B5EF4-FFF2-40B4-BE49-F238E27FC236}">
+                <a16:creationId xmlns:a16="http://schemas.microsoft.com/office/drawing/2014/main" id="{AB48EF97-2352-08FD-FFD9-7EBC4728B6EE}"/>
+              </a:ext>
+            </a:extLst>
+          </p:cNvPr>
+          <p:cNvSpPr>
+            <a:spLocks noGrp="1"/>
+          </p:cNvSpPr>
+          <p:nvPr>
+            <p:ph type="title"/>
+          </p:nvPr>
+        </p:nvSpPr>
+        <p:spPr/>
+        <p:txBody>
+          <a:bodyPr/>
+          <a:lstStyle/>
+          <a:p>
+            <a:r>
+              <a:rPr lang="ko-KR" altLang="en-US" dirty="0"/>
+              <a:t>고찰 및 결론</a:t>
+            </a:r>
+          </a:p>
+        </p:txBody>
+      </p:sp>
+      <p:sp>
+        <p:nvSpPr>
+          <p:cNvPr id="3" name="내용 개체 틀 2">
+            <a:extLst>
+              <a:ext uri="{FF2B5EF4-FFF2-40B4-BE49-F238E27FC236}">
+                <a16:creationId xmlns:a16="http://schemas.microsoft.com/office/drawing/2014/main" id="{92B038EA-83CD-7475-F90A-695ABD2EF4EE}"/>
+              </a:ext>
+            </a:extLst>
+          </p:cNvPr>
+          <p:cNvSpPr>
+            <a:spLocks noGrp="1"/>
+          </p:cNvSpPr>
+          <p:nvPr>
+            <p:ph idx="1"/>
+          </p:nvPr>
+        </p:nvSpPr>
+        <p:spPr/>
+        <p:txBody>
+          <a:bodyPr/>
+          <a:lstStyle/>
+          <a:p>
+            <a:endParaRPr lang="ko-KR" altLang="en-US"/>
+          </a:p>
+        </p:txBody>
+      </p:sp>
+    </p:spTree>
+    <p:extLst>
+      <p:ext uri="{BB962C8B-B14F-4D97-AF65-F5344CB8AC3E}">
+        <p14:creationId xmlns:p14="http://schemas.microsoft.com/office/powerpoint/2010/main" val="1155636221"/>
+      </p:ext>
+    </p:extLst>
+  </p:cSld>
+  <p:clrMapOvr>
+    <a:masterClrMapping/>
+  </p:clrMapOvr>
+</p:sld>
+</file>
+
+<file path=ppt/slides/slide11.xml><?xml version="1.0" encoding="utf-8"?>
+<p:sld xmlns:a="http://schemas.openxmlformats.org/drawingml/2006/main" xmlns:r="http://schemas.openxmlformats.org/officeDocument/2006/relationships" xmlns:p="http://schemas.openxmlformats.org/presentationml/2006/main">
+  <p:cSld>
+    <p:spTree>
+      <p:nvGrpSpPr>
+        <p:cNvPr id="1" name=""/>
+        <p:cNvGrpSpPr/>
+        <p:nvPr/>
+      </p:nvGrpSpPr>
+      <p:grpSpPr>
+        <a:xfrm>
+          <a:off x="0" y="0"/>
+          <a:ext cx="0" cy="0"/>
+          <a:chOff x="0" y="0"/>
+          <a:chExt cx="0" cy="0"/>
+        </a:xfrm>
+      </p:grpSpPr>
+      <p:sp>
+        <p:nvSpPr>
+          <p:cNvPr id="2" name="제목 1">
+            <a:extLst>
+              <a:ext uri="{FF2B5EF4-FFF2-40B4-BE49-F238E27FC236}">
                 <a16:creationId xmlns:a16="http://schemas.microsoft.com/office/drawing/2014/main" id="{A8D31240-3758-9A95-84DA-DF516F8213F8}"/>
               </a:ext>
             </a:extLst>
@@ -4665,7 +4749,7 @@
               <a:t>근사 유니크 카운트</a:t>
             </a:r>
             <a:r>
-              <a:rPr lang="en-US" altLang="ko-KR"/>
+              <a:rPr lang="en-US" altLang="ko-KR" dirty="0"/>
               <a:t>)</a:t>
             </a:r>
             <a:endParaRPr lang="ko-KR" altLang="en-US" dirty="0"/>
@@ -4696,6 +4780,36 @@
           <a:xfrm>
             <a:off x="5799755" y="5597330"/>
             <a:ext cx="3724795" cy="371527"/>
+          </a:xfrm>
+          <a:prstGeom prst="rect">
+            <a:avLst/>
+          </a:prstGeom>
+        </p:spPr>
+      </p:pic>
+      <p:pic>
+        <p:nvPicPr>
+          <p:cNvPr id="7" name="그림 6">
+            <a:extLst>
+              <a:ext uri="{FF2B5EF4-FFF2-40B4-BE49-F238E27FC236}">
+                <a16:creationId xmlns:a16="http://schemas.microsoft.com/office/drawing/2014/main" id="{7C437593-DF6D-B3B3-C4BB-DFD8174D1514}"/>
+              </a:ext>
+            </a:extLst>
+          </p:cNvPr>
+          <p:cNvPicPr>
+            <a:picLocks noChangeAspect="1"/>
+          </p:cNvPicPr>
+          <p:nvPr/>
+        </p:nvPicPr>
+        <p:blipFill>
+          <a:blip r:embed="rId3"/>
+          <a:stretch>
+            <a:fillRect/>
+          </a:stretch>
+        </p:blipFill>
+        <p:spPr>
+          <a:xfrm>
+            <a:off x="1215951" y="4682803"/>
+            <a:ext cx="4448796" cy="1286054"/>
           </a:xfrm>
           <a:prstGeom prst="rect">
             <a:avLst/>
@@ -4720,7 +4834,13 @@
   <p:cSld>
     <p:spTree>
       <p:nvGrpSpPr>
-        <p:cNvPr id="1" name=""/>
+        <p:cNvPr id="1" name="">
+          <a:extLst>
+            <a:ext uri="{FF2B5EF4-FFF2-40B4-BE49-F238E27FC236}">
+              <a16:creationId xmlns:a16="http://schemas.microsoft.com/office/drawing/2014/main" id="{729AC8CA-16C3-C344-B076-9E64F490EF05}"/>
+            </a:ext>
+          </a:extLst>
+        </p:cNvPr>
         <p:cNvGrpSpPr/>
         <p:nvPr/>
       </p:nvGrpSpPr>
@@ -4737,7 +4857,7 @@
           <p:cNvPr id="2" name="제목 1">
             <a:extLst>
               <a:ext uri="{FF2B5EF4-FFF2-40B4-BE49-F238E27FC236}">
-                <a16:creationId xmlns:a16="http://schemas.microsoft.com/office/drawing/2014/main" id="{91FB26D8-6D51-62F5-95AF-C025CBC8FD34}"/>
+                <a16:creationId xmlns:a16="http://schemas.microsoft.com/office/drawing/2014/main" id="{834975DA-D870-1FB8-EF41-BF8B626CA006}"/>
               </a:ext>
             </a:extLst>
           </p:cNvPr>
@@ -4755,17 +4875,52 @@
           <a:p>
             <a:r>
               <a:rPr lang="ko-KR" altLang="en-US" dirty="0"/>
-              <a:t>구현</a:t>
-            </a:r>
-          </a:p>
-        </p:txBody>
-      </p:sp>
-      <p:sp>
-        <p:nvSpPr>
-          <p:cNvPr id="3" name="내용 개체 틀 2">
-            <a:extLst>
-              <a:ext uri="{FF2B5EF4-FFF2-40B4-BE49-F238E27FC236}">
-                <a16:creationId xmlns:a16="http://schemas.microsoft.com/office/drawing/2014/main" id="{B0C922AC-E46C-FA9B-3F6C-6F2FE142A01C}"/>
+              <a:t>과제 </a:t>
+            </a:r>
+            <a:r>
+              <a:rPr lang="en-US" altLang="ko-KR" dirty="0"/>
+              <a:t>4 : Pareto Front</a:t>
+            </a:r>
+            <a:endParaRPr lang="ko-KR" altLang="en-US" dirty="0"/>
+          </a:p>
+        </p:txBody>
+      </p:sp>
+      <p:pic>
+        <p:nvPicPr>
+          <p:cNvPr id="7" name="그림 6">
+            <a:extLst>
+              <a:ext uri="{FF2B5EF4-FFF2-40B4-BE49-F238E27FC236}">
+                <a16:creationId xmlns:a16="http://schemas.microsoft.com/office/drawing/2014/main" id="{4E3B6AB2-8D1D-9D0C-E61B-54596AE12484}"/>
+              </a:ext>
+            </a:extLst>
+          </p:cNvPr>
+          <p:cNvPicPr>
+            <a:picLocks noChangeAspect="1"/>
+          </p:cNvPicPr>
+          <p:nvPr/>
+        </p:nvPicPr>
+        <p:blipFill>
+          <a:blip r:embed="rId2"/>
+          <a:stretch>
+            <a:fillRect/>
+          </a:stretch>
+        </p:blipFill>
+        <p:spPr>
+          <a:xfrm>
+            <a:off x="1215951" y="4682803"/>
+            <a:ext cx="4448796" cy="1286054"/>
+          </a:xfrm>
+          <a:prstGeom prst="rect">
+            <a:avLst/>
+          </a:prstGeom>
+        </p:spPr>
+      </p:pic>
+      <p:sp>
+        <p:nvSpPr>
+          <p:cNvPr id="6" name="내용 개체 틀 5">
+            <a:extLst>
+              <a:ext uri="{FF2B5EF4-FFF2-40B4-BE49-F238E27FC236}">
+                <a16:creationId xmlns:a16="http://schemas.microsoft.com/office/drawing/2014/main" id="{6D742E03-63E2-41F0-4A91-15448B343629}"/>
               </a:ext>
             </a:extLst>
           </p:cNvPr>
@@ -4776,19 +4931,24 @@
             <p:ph idx="1"/>
           </p:nvPr>
         </p:nvSpPr>
-        <p:spPr/>
-        <p:txBody>
-          <a:bodyPr/>
-          <a:lstStyle/>
-          <a:p>
-            <a:endParaRPr lang="ko-KR" altLang="en-US"/>
+        <p:spPr>
+          <a:xfrm>
+            <a:off x="838200" y="1646001"/>
+            <a:ext cx="10515600" cy="4351338"/>
+          </a:xfrm>
+        </p:spPr>
+        <p:txBody>
+          <a:bodyPr/>
+          <a:lstStyle/>
+          <a:p>
+            <a:endParaRPr lang="ko-KR" altLang="en-US" dirty="0"/>
           </a:p>
         </p:txBody>
       </p:sp>
     </p:spTree>
     <p:extLst>
       <p:ext uri="{BB962C8B-B14F-4D97-AF65-F5344CB8AC3E}">
-        <p14:creationId xmlns:p14="http://schemas.microsoft.com/office/powerpoint/2010/main" val="4005580673"/>
+        <p14:creationId xmlns:p14="http://schemas.microsoft.com/office/powerpoint/2010/main" val="3572917459"/>
       </p:ext>
     </p:extLst>
   </p:cSld>
@@ -4820,7 +4980,7 @@
           <p:cNvPr id="2" name="제목 1">
             <a:extLst>
               <a:ext uri="{FF2B5EF4-FFF2-40B4-BE49-F238E27FC236}">
-                <a16:creationId xmlns:a16="http://schemas.microsoft.com/office/drawing/2014/main" id="{9A6431F0-98D9-1671-724F-F775161BE287}"/>
+                <a16:creationId xmlns:a16="http://schemas.microsoft.com/office/drawing/2014/main" id="{91FB26D8-6D51-62F5-95AF-C025CBC8FD34}"/>
               </a:ext>
             </a:extLst>
           </p:cNvPr>
@@ -4838,7 +4998,7 @@
           <a:p>
             <a:r>
               <a:rPr lang="ko-KR" altLang="en-US" dirty="0"/>
-              <a:t>실험 및 결과</a:t>
+              <a:t>구현</a:t>
             </a:r>
           </a:p>
         </p:txBody>
@@ -4848,7 +5008,7 @@
           <p:cNvPr id="3" name="내용 개체 틀 2">
             <a:extLst>
               <a:ext uri="{FF2B5EF4-FFF2-40B4-BE49-F238E27FC236}">
-                <a16:creationId xmlns:a16="http://schemas.microsoft.com/office/drawing/2014/main" id="{BEEAF650-4CBD-8BCE-1A07-14B3E99AF0BA}"/>
+                <a16:creationId xmlns:a16="http://schemas.microsoft.com/office/drawing/2014/main" id="{B0C922AC-E46C-FA9B-3F6C-6F2FE142A01C}"/>
               </a:ext>
             </a:extLst>
           </p:cNvPr>
@@ -4871,7 +5031,7 @@
     </p:spTree>
     <p:extLst>
       <p:ext uri="{BB962C8B-B14F-4D97-AF65-F5344CB8AC3E}">
-        <p14:creationId xmlns:p14="http://schemas.microsoft.com/office/powerpoint/2010/main" val="2700403687"/>
+        <p14:creationId xmlns:p14="http://schemas.microsoft.com/office/powerpoint/2010/main" val="4005580673"/>
       </p:ext>
     </p:extLst>
   </p:cSld>
@@ -4903,7 +5063,7 @@
           <p:cNvPr id="2" name="제목 1">
             <a:extLst>
               <a:ext uri="{FF2B5EF4-FFF2-40B4-BE49-F238E27FC236}">
-                <a16:creationId xmlns:a16="http://schemas.microsoft.com/office/drawing/2014/main" id="{AB48EF97-2352-08FD-FFD9-7EBC4728B6EE}"/>
+                <a16:creationId xmlns:a16="http://schemas.microsoft.com/office/drawing/2014/main" id="{9A6431F0-98D9-1671-724F-F775161BE287}"/>
               </a:ext>
             </a:extLst>
           </p:cNvPr>
@@ -4921,7 +5081,7 @@
           <a:p>
             <a:r>
               <a:rPr lang="ko-KR" altLang="en-US" dirty="0"/>
-              <a:t>고찰 및 결론</a:t>
+              <a:t>실험 및 결과</a:t>
             </a:r>
           </a:p>
         </p:txBody>
@@ -4931,7 +5091,7 @@
           <p:cNvPr id="3" name="내용 개체 틀 2">
             <a:extLst>
               <a:ext uri="{FF2B5EF4-FFF2-40B4-BE49-F238E27FC236}">
-                <a16:creationId xmlns:a16="http://schemas.microsoft.com/office/drawing/2014/main" id="{92B038EA-83CD-7475-F90A-695ABD2EF4EE}"/>
+                <a16:creationId xmlns:a16="http://schemas.microsoft.com/office/drawing/2014/main" id="{BEEAF650-4CBD-8BCE-1A07-14B3E99AF0BA}"/>
               </a:ext>
             </a:extLst>
           </p:cNvPr>
@@ -4954,7 +5114,7 @@
     </p:spTree>
     <p:extLst>
       <p:ext uri="{BB962C8B-B14F-4D97-AF65-F5344CB8AC3E}">
-        <p14:creationId xmlns:p14="http://schemas.microsoft.com/office/powerpoint/2010/main" val="1155636221"/>
+        <p14:creationId xmlns:p14="http://schemas.microsoft.com/office/powerpoint/2010/main" val="2700403687"/>
       </p:ext>
     </p:extLst>
   </p:cSld>
